--- a/LANDSCAPING.pptx
+++ b/LANDSCAPING.pptx
@@ -104,6 +104,11 @@
       </a:defRPr>
     </a:lvl9pPr>
   </p:defaultTextStyle>
+  <p:extLst>
+    <p:ext uri="{EFAFB233-063F-42B5-8137-9DF3F51BA10A}">
+      <p15:sldGuideLst xmlns:p15="http://schemas.microsoft.com/office/powerpoint/2012/main"/>
+    </p:ext>
+  </p:extLst>
 </p:presentation>
 </file>
 
@@ -112,18 +117,18 @@
   <pc:docChgLst>
     <pc:chgData name="Sibahle Khumalo" userId="e14ec6d146b2c538" providerId="LiveId" clId="{200B8FE2-2A68-4A67-AF8F-059E37BA5D41}"/>
     <pc:docChg chg="modSld">
-      <pc:chgData name="Sibahle Khumalo" userId="e14ec6d146b2c538" providerId="LiveId" clId="{200B8FE2-2A68-4A67-AF8F-059E37BA5D41}" dt="2024-06-18T16:43:57.447" v="3" actId="20577"/>
+      <pc:chgData name="Sibahle Khumalo" userId="e14ec6d146b2c538" providerId="LiveId" clId="{200B8FE2-2A68-4A67-AF8F-059E37BA5D41}" dt="2024-06-18T16:50:56.875" v="5" actId="20577"/>
       <pc:docMkLst>
         <pc:docMk/>
       </pc:docMkLst>
       <pc:sldChg chg="modSp mod">
-        <pc:chgData name="Sibahle Khumalo" userId="e14ec6d146b2c538" providerId="LiveId" clId="{200B8FE2-2A68-4A67-AF8F-059E37BA5D41}" dt="2024-06-18T16:43:57.447" v="3" actId="20577"/>
+        <pc:chgData name="Sibahle Khumalo" userId="e14ec6d146b2c538" providerId="LiveId" clId="{200B8FE2-2A68-4A67-AF8F-059E37BA5D41}" dt="2024-06-18T16:50:56.875" v="5" actId="20577"/>
         <pc:sldMkLst>
           <pc:docMk/>
           <pc:sldMk cId="656687488" sldId="256"/>
         </pc:sldMkLst>
         <pc:spChg chg="mod">
-          <ac:chgData name="Sibahle Khumalo" userId="e14ec6d146b2c538" providerId="LiveId" clId="{200B8FE2-2A68-4A67-AF8F-059E37BA5D41}" dt="2024-06-18T16:43:57.447" v="3" actId="20577"/>
+          <ac:chgData name="Sibahle Khumalo" userId="e14ec6d146b2c538" providerId="LiveId" clId="{200B8FE2-2A68-4A67-AF8F-059E37BA5D41}" dt="2024-06-18T16:50:56.875" v="5" actId="20577"/>
           <ac:spMkLst>
             <pc:docMk/>
             <pc:sldMk cId="656687488" sldId="256"/>
@@ -3401,18 +3406,22 @@
           <a:p>
             <a:r>
               <a:rPr lang="en-ZA" sz="4000" dirty="0"/>
-              <a:t>Predictive Machine Learning Project</a:t>
+              <a:t>P</a:t>
+            </a:r>
+            <a:r>
+              <a:rPr lang="en-ZA" sz="4000"/>
+              <a:t>redictive </a:t>
+            </a:r>
+            <a:r>
+              <a:rPr lang="en-ZA" sz="4000" dirty="0"/>
+              <a:t>Machine Learning Project</a:t>
             </a:r>
             <a:br>
               <a:rPr lang="en-ZA" sz="4000" dirty="0"/>
             </a:br>
             <a:r>
               <a:rPr lang="en-ZA" sz="1200" b="1" dirty="0"/>
-              <a:t>This is a Landscaping of a predictive model focusing on </a:t>
-            </a:r>
-            <a:r>
-              <a:rPr lang="en-ZA" sz="1200" b="1"/>
-              <a:t>using  </a:t>
+              <a:t>This is a Landscaping of a predictive model focusing on using  </a:t>
             </a:r>
             <a:r>
               <a:rPr lang="en-ZA" sz="1300" b="1" dirty="0"/>
